--- a/Olivia PT 4.pptx
+++ b/Olivia PT 4.pptx
@@ -301,7 +301,7 @@
           <a:p>
             <a:fld id="{2E26C485-37FA-4A7E-99BF-FF81BE88F74B}" type="datetimeFigureOut">
               <a:rPr lang="en-US" smtClean="0"/>
-              <a:t>11/18/2021</a:t>
+              <a:t>11/22/2021</a:t>
             </a:fld>
             <a:endParaRPr lang="en-US"/>
           </a:p>
@@ -599,7 +599,7 @@
           <a:p>
             <a:fld id="{2E26C485-37FA-4A7E-99BF-FF81BE88F74B}" type="datetimeFigureOut">
               <a:rPr lang="en-US" smtClean="0"/>
-              <a:t>11/18/2021</a:t>
+              <a:t>11/22/2021</a:t>
             </a:fld>
             <a:endParaRPr lang="en-US"/>
           </a:p>
@@ -791,7 +791,7 @@
           <a:p>
             <a:fld id="{2E26C485-37FA-4A7E-99BF-FF81BE88F74B}" type="datetimeFigureOut">
               <a:rPr lang="en-US" smtClean="0"/>
-              <a:t>11/18/2021</a:t>
+              <a:t>11/22/2021</a:t>
             </a:fld>
             <a:endParaRPr lang="en-US"/>
           </a:p>
@@ -1052,7 +1052,7 @@
           <a:p>
             <a:fld id="{2E26C485-37FA-4A7E-99BF-FF81BE88F74B}" type="datetimeFigureOut">
               <a:rPr lang="en-US" smtClean="0"/>
-              <a:t>11/18/2021</a:t>
+              <a:t>11/22/2021</a:t>
             </a:fld>
             <a:endParaRPr lang="en-US"/>
           </a:p>
@@ -1476,7 +1476,7 @@
           <a:p>
             <a:fld id="{2E26C485-37FA-4A7E-99BF-FF81BE88F74B}" type="datetimeFigureOut">
               <a:rPr lang="en-US" smtClean="0"/>
-              <a:t>11/18/2021</a:t>
+              <a:t>11/22/2021</a:t>
             </a:fld>
             <a:endParaRPr lang="en-US"/>
           </a:p>
@@ -2013,7 +2013,7 @@
           <a:p>
             <a:fld id="{2E26C485-37FA-4A7E-99BF-FF81BE88F74B}" type="datetimeFigureOut">
               <a:rPr lang="en-US" smtClean="0"/>
-              <a:t>11/18/2021</a:t>
+              <a:t>11/22/2021</a:t>
             </a:fld>
             <a:endParaRPr lang="en-US"/>
           </a:p>
@@ -2877,7 +2877,7 @@
           <a:p>
             <a:fld id="{2E26C485-37FA-4A7E-99BF-FF81BE88F74B}" type="datetimeFigureOut">
               <a:rPr lang="en-US" smtClean="0"/>
-              <a:t>11/18/2021</a:t>
+              <a:t>11/22/2021</a:t>
             </a:fld>
             <a:endParaRPr lang="en-US"/>
           </a:p>
@@ -3047,7 +3047,7 @@
           <a:p>
             <a:fld id="{2E26C485-37FA-4A7E-99BF-FF81BE88F74B}" type="datetimeFigureOut">
               <a:rPr lang="en-US" smtClean="0"/>
-              <a:t>11/18/2021</a:t>
+              <a:t>11/22/2021</a:t>
             </a:fld>
             <a:endParaRPr lang="en-US"/>
           </a:p>
@@ -3231,7 +3231,7 @@
           <a:p>
             <a:fld id="{2E26C485-37FA-4A7E-99BF-FF81BE88F74B}" type="datetimeFigureOut">
               <a:rPr lang="en-US" smtClean="0"/>
-              <a:t>11/18/2021</a:t>
+              <a:t>11/22/2021</a:t>
             </a:fld>
             <a:endParaRPr lang="en-US"/>
           </a:p>
@@ -3401,7 +3401,7 @@
           <a:p>
             <a:fld id="{2E26C485-37FA-4A7E-99BF-FF81BE88F74B}" type="datetimeFigureOut">
               <a:rPr lang="en-US" smtClean="0"/>
-              <a:t>11/18/2021</a:t>
+              <a:t>11/22/2021</a:t>
             </a:fld>
             <a:endParaRPr lang="en-US"/>
           </a:p>
@@ -3645,7 +3645,7 @@
           <a:p>
             <a:fld id="{2E26C485-37FA-4A7E-99BF-FF81BE88F74B}" type="datetimeFigureOut">
               <a:rPr lang="en-US" smtClean="0"/>
-              <a:t>11/18/2021</a:t>
+              <a:t>11/22/2021</a:t>
             </a:fld>
             <a:endParaRPr lang="en-US"/>
           </a:p>
@@ -3881,7 +3881,7 @@
           <a:p>
             <a:fld id="{2E26C485-37FA-4A7E-99BF-FF81BE88F74B}" type="datetimeFigureOut">
               <a:rPr lang="en-US" smtClean="0"/>
-              <a:t>11/18/2021</a:t>
+              <a:t>11/22/2021</a:t>
             </a:fld>
             <a:endParaRPr lang="en-US"/>
           </a:p>
@@ -4347,7 +4347,7 @@
           <a:p>
             <a:fld id="{2E26C485-37FA-4A7E-99BF-FF81BE88F74B}" type="datetimeFigureOut">
               <a:rPr lang="en-US" smtClean="0"/>
-              <a:t>11/18/2021</a:t>
+              <a:t>11/22/2021</a:t>
             </a:fld>
             <a:endParaRPr lang="en-US"/>
           </a:p>
@@ -4465,7 +4465,7 @@
           <a:p>
             <a:fld id="{2E26C485-37FA-4A7E-99BF-FF81BE88F74B}" type="datetimeFigureOut">
               <a:rPr lang="en-US" smtClean="0"/>
-              <a:t>11/18/2021</a:t>
+              <a:t>11/22/2021</a:t>
             </a:fld>
             <a:endParaRPr lang="en-US"/>
           </a:p>
@@ -4560,7 +4560,7 @@
           <a:p>
             <a:fld id="{2E26C485-37FA-4A7E-99BF-FF81BE88F74B}" type="datetimeFigureOut">
               <a:rPr lang="en-US" smtClean="0"/>
-              <a:t>11/18/2021</a:t>
+              <a:t>11/22/2021</a:t>
             </a:fld>
             <a:endParaRPr lang="en-US"/>
           </a:p>
@@ -4815,7 +4815,7 @@
           <a:p>
             <a:fld id="{2E26C485-37FA-4A7E-99BF-FF81BE88F74B}" type="datetimeFigureOut">
               <a:rPr lang="en-US" smtClean="0"/>
-              <a:t>11/18/2021</a:t>
+              <a:t>11/22/2021</a:t>
             </a:fld>
             <a:endParaRPr lang="en-US"/>
           </a:p>
@@ -5115,7 +5115,7 @@
           <a:p>
             <a:fld id="{2E26C485-37FA-4A7E-99BF-FF81BE88F74B}" type="datetimeFigureOut">
               <a:rPr lang="en-US" smtClean="0"/>
-              <a:t>11/18/2021</a:t>
+              <a:t>11/22/2021</a:t>
             </a:fld>
             <a:endParaRPr lang="en-US"/>
           </a:p>
@@ -5349,7 +5349,7 @@
           <a:p>
             <a:fld id="{2E26C485-37FA-4A7E-99BF-FF81BE88F74B}" type="datetimeFigureOut">
               <a:rPr lang="en-US" smtClean="0"/>
-              <a:t>11/18/2021</a:t>
+              <a:t>11/22/2021</a:t>
             </a:fld>
             <a:endParaRPr lang="en-US"/>
           </a:p>
@@ -6159,6 +6159,10 @@
             <a:pPr marL="0" indent="0">
               <a:buNone/>
             </a:pPr>
+            <a:r>
+              <a:rPr lang="en-US" dirty="0"/>
+              <a:t/>
+            </a:r>
             <a:br>
               <a:rPr lang="en-US" dirty="0"/>
             </a:br>
